--- a/movie_compare.pptx
+++ b/movie_compare.pptx
@@ -1354,7 +1354,11 @@
           <a:p>
             <a:r>
               <a:rPr lang="zh-CN" altLang="en-US" dirty="0" smtClean="0"/>
-              <a:t>所以，就拿国内的评分，和国外的做比较</a:t>
+              <a:t>所以，就拿国内的评分，和国外的做</a:t>
+            </a:r>
+            <a:r>
+              <a:rPr lang="zh-CN" altLang="en-US" dirty="0" smtClean="0"/>
+              <a:t>比较 </a:t>
             </a:r>
             <a:endParaRPr lang="en-US" altLang="zh-CN" dirty="0" smtClean="0"/>
           </a:p>
@@ -1377,13 +1381,38 @@
             </a:r>
             <a:r>
               <a:rPr lang="en-US" altLang="zh-CN" dirty="0" smtClean="0"/>
-              <a:t>. </a:t>
-            </a:r>
-          </a:p>
-          <a:p>
+              <a:t>.  </a:t>
+            </a:r>
             <a:r>
               <a:rPr lang="zh-CN" altLang="en-US" dirty="0" smtClean="0"/>
-              <a:t>就会发现，评价差距其实挺大的。</a:t>
+              <a:t>（</a:t>
+            </a:r>
+            <a:r>
+              <a:rPr lang="en-US" altLang="zh-CN" dirty="0" smtClean="0"/>
+              <a:t>IMDB</a:t>
+            </a:r>
+            <a:r>
+              <a:rPr lang="zh-CN" altLang="en-US" dirty="0" smtClean="0"/>
+              <a:t>大家是否熟悉？介绍</a:t>
+            </a:r>
+            <a:r>
+              <a:rPr lang="en-US" altLang="zh-CN" dirty="0" smtClean="0"/>
+              <a:t>…</a:t>
+            </a:r>
+            <a:r>
+              <a:rPr lang="zh-CN" altLang="en-US" smtClean="0"/>
+              <a:t>美国版豆瓣，也是打分）</a:t>
+            </a:r>
+            <a:endParaRPr lang="en-US" altLang="zh-CN" dirty="0" smtClean="0"/>
+          </a:p>
+          <a:p>
+            <a:r>
+              <a:rPr lang="zh-CN" altLang="en-US" dirty="0" smtClean="0"/>
+              <a:t>就</a:t>
+            </a:r>
+            <a:r>
+              <a:rPr lang="zh-CN" altLang="en-US" dirty="0" smtClean="0"/>
+              <a:t>会发现，评价差距其实挺大的。</a:t>
             </a:r>
             <a:r>
               <a:rPr lang="en-US" altLang="zh-CN" dirty="0" smtClean="0"/>
@@ -1396,11 +1425,7 @@
           <a:p>
             <a:r>
               <a:rPr lang="en-US" altLang="zh-CN" dirty="0" smtClean="0"/>
-              <a:t>http</a:t>
-            </a:r>
-            <a:r>
-              <a:rPr lang="en-US" altLang="zh-CN" dirty="0" smtClean="0"/>
-              <a:t>://www.imdb.com/title/tt0359950/</a:t>
+              <a:t>http://www.imdb.com/title/tt0359950/</a:t>
             </a:r>
           </a:p>
           <a:p>
@@ -5554,11 +5579,7 @@
             </a:r>
             <a:r>
               <a:rPr lang="zh-CN" altLang="en-US" dirty="0" smtClean="0"/>
-              <a:t>间</a:t>
-            </a:r>
-            <a:r>
-              <a:rPr lang="zh-CN" altLang="en-US" dirty="0" smtClean="0"/>
-              <a:t>存在一个一般性的差别</a:t>
+              <a:t>间存在一个一般性的差别</a:t>
             </a:r>
             <a:endParaRPr lang="en-US" altLang="zh-CN" dirty="0" smtClean="0"/>
           </a:p>
@@ -7948,21 +7969,7 @@
                 <a:latin typeface="黑体" panose="02010609060101010101" pitchFamily="49" charset="-122"/>
                 <a:ea typeface="黑体" panose="02010609060101010101" pitchFamily="49" charset="-122"/>
               </a:rPr>
-              <a:t>其实，电影好看</a:t>
-            </a:r>
-            <a:r>
-              <a:rPr lang="zh-CN" altLang="en-US" dirty="0" smtClean="0">
-                <a:latin typeface="黑体" panose="02010609060101010101" pitchFamily="49" charset="-122"/>
-                <a:ea typeface="黑体" panose="02010609060101010101" pitchFamily="49" charset="-122"/>
-              </a:rPr>
-              <a:t>与否并不</a:t>
-            </a:r>
-            <a:r>
-              <a:rPr lang="zh-CN" altLang="en-US" dirty="0" smtClean="0">
-                <a:latin typeface="黑体" panose="02010609060101010101" pitchFamily="49" charset="-122"/>
-                <a:ea typeface="黑体" panose="02010609060101010101" pitchFamily="49" charset="-122"/>
-              </a:rPr>
-              <a:t>重要</a:t>
+              <a:t>其实，电影好看与否并不重要</a:t>
             </a:r>
             <a:endParaRPr lang="en-US" altLang="zh-CN" dirty="0" smtClean="0">
               <a:latin typeface="黑体" panose="02010609060101010101" pitchFamily="49" charset="-122"/>
@@ -7987,14 +7994,7 @@
                 <a:latin typeface="黑体" panose="02010609060101010101" pitchFamily="49" charset="-122"/>
                 <a:ea typeface="黑体" panose="02010609060101010101" pitchFamily="49" charset="-122"/>
               </a:rPr>
-              <a:t>重要的</a:t>
-            </a:r>
-            <a:r>
-              <a:rPr lang="zh-CN" altLang="en-US" sz="8000" dirty="0" smtClean="0">
-                <a:latin typeface="黑体" panose="02010609060101010101" pitchFamily="49" charset="-122"/>
-                <a:ea typeface="黑体" panose="02010609060101010101" pitchFamily="49" charset="-122"/>
-              </a:rPr>
-              <a:t>是</a:t>
+              <a:t>重要的是</a:t>
             </a:r>
             <a:r>
               <a:rPr lang="en-US" altLang="zh-CN" sz="8000" dirty="0" smtClean="0">
@@ -8173,15 +8173,6 @@
               </a:rPr>
               <a:t>Coherence (2013)</a:t>
             </a:r>
-            <a:endParaRPr lang="en-US" altLang="zh-CN" sz="2400" b="1" dirty="0">
-              <a:solidFill>
-                <a:schemeClr val="bg1">
-                  <a:lumMod val="50000"/>
-                </a:schemeClr>
-              </a:solidFill>
-              <a:latin typeface="黑体" panose="02010609060101010101" pitchFamily="49" charset="-122"/>
-              <a:ea typeface="黑体" panose="02010609060101010101" pitchFamily="49" charset="-122"/>
-            </a:endParaRPr>
           </a:p>
         </p:txBody>
       </p:sp>
